--- a/Transformers/blog_resources/graphics/equations.pptx
+++ b/Transformers/blog_resources/graphics/equations.pptx
@@ -262,7 +262,7 @@
           <a:p>
             <a:fld id="{03C5ED0B-F202-43B2-9C89-A6AB71D3F27F}" type="datetimeFigureOut">
               <a:rPr lang="en-GB" smtClean="0"/>
-              <a:t>23/08/2021</a:t>
+              <a:t>08/09/2021</a:t>
             </a:fld>
             <a:endParaRPr lang="en-GB"/>
           </a:p>
@@ -432,7 +432,7 @@
           <a:p>
             <a:fld id="{03C5ED0B-F202-43B2-9C89-A6AB71D3F27F}" type="datetimeFigureOut">
               <a:rPr lang="en-GB" smtClean="0"/>
-              <a:t>23/08/2021</a:t>
+              <a:t>08/09/2021</a:t>
             </a:fld>
             <a:endParaRPr lang="en-GB"/>
           </a:p>
@@ -612,7 +612,7 @@
           <a:p>
             <a:fld id="{03C5ED0B-F202-43B2-9C89-A6AB71D3F27F}" type="datetimeFigureOut">
               <a:rPr lang="en-GB" smtClean="0"/>
-              <a:t>23/08/2021</a:t>
+              <a:t>08/09/2021</a:t>
             </a:fld>
             <a:endParaRPr lang="en-GB"/>
           </a:p>
@@ -782,7 +782,7 @@
           <a:p>
             <a:fld id="{03C5ED0B-F202-43B2-9C89-A6AB71D3F27F}" type="datetimeFigureOut">
               <a:rPr lang="en-GB" smtClean="0"/>
-              <a:t>23/08/2021</a:t>
+              <a:t>08/09/2021</a:t>
             </a:fld>
             <a:endParaRPr lang="en-GB"/>
           </a:p>
@@ -1028,7 +1028,7 @@
           <a:p>
             <a:fld id="{03C5ED0B-F202-43B2-9C89-A6AB71D3F27F}" type="datetimeFigureOut">
               <a:rPr lang="en-GB" smtClean="0"/>
-              <a:t>23/08/2021</a:t>
+              <a:t>08/09/2021</a:t>
             </a:fld>
             <a:endParaRPr lang="en-GB"/>
           </a:p>
@@ -1260,7 +1260,7 @@
           <a:p>
             <a:fld id="{03C5ED0B-F202-43B2-9C89-A6AB71D3F27F}" type="datetimeFigureOut">
               <a:rPr lang="en-GB" smtClean="0"/>
-              <a:t>23/08/2021</a:t>
+              <a:t>08/09/2021</a:t>
             </a:fld>
             <a:endParaRPr lang="en-GB"/>
           </a:p>
@@ -1627,7 +1627,7 @@
           <a:p>
             <a:fld id="{03C5ED0B-F202-43B2-9C89-A6AB71D3F27F}" type="datetimeFigureOut">
               <a:rPr lang="en-GB" smtClean="0"/>
-              <a:t>23/08/2021</a:t>
+              <a:t>08/09/2021</a:t>
             </a:fld>
             <a:endParaRPr lang="en-GB"/>
           </a:p>
@@ -1745,7 +1745,7 @@
           <a:p>
             <a:fld id="{03C5ED0B-F202-43B2-9C89-A6AB71D3F27F}" type="datetimeFigureOut">
               <a:rPr lang="en-GB" smtClean="0"/>
-              <a:t>23/08/2021</a:t>
+              <a:t>08/09/2021</a:t>
             </a:fld>
             <a:endParaRPr lang="en-GB"/>
           </a:p>
@@ -1840,7 +1840,7 @@
           <a:p>
             <a:fld id="{03C5ED0B-F202-43B2-9C89-A6AB71D3F27F}" type="datetimeFigureOut">
               <a:rPr lang="en-GB" smtClean="0"/>
-              <a:t>23/08/2021</a:t>
+              <a:t>08/09/2021</a:t>
             </a:fld>
             <a:endParaRPr lang="en-GB"/>
           </a:p>
@@ -2117,7 +2117,7 @@
           <a:p>
             <a:fld id="{03C5ED0B-F202-43B2-9C89-A6AB71D3F27F}" type="datetimeFigureOut">
               <a:rPr lang="en-GB" smtClean="0"/>
-              <a:t>23/08/2021</a:t>
+              <a:t>08/09/2021</a:t>
             </a:fld>
             <a:endParaRPr lang="en-GB"/>
           </a:p>
@@ -2374,7 +2374,7 @@
           <a:p>
             <a:fld id="{03C5ED0B-F202-43B2-9C89-A6AB71D3F27F}" type="datetimeFigureOut">
               <a:rPr lang="en-GB" smtClean="0"/>
-              <a:t>23/08/2021</a:t>
+              <a:t>08/09/2021</a:t>
             </a:fld>
             <a:endParaRPr lang="en-GB"/>
           </a:p>
@@ -2587,7 +2587,7 @@
           <a:p>
             <a:fld id="{03C5ED0B-F202-43B2-9C89-A6AB71D3F27F}" type="datetimeFigureOut">
               <a:rPr lang="en-GB" smtClean="0"/>
-              <a:t>23/08/2021</a:t>
+              <a:t>08/09/2021</a:t>
             </a:fld>
             <a:endParaRPr lang="en-GB"/>
           </a:p>
@@ -6592,6 +6592,48 @@
           </a:fontRef>
         </p:style>
       </p:cxnSp>
+      <p:cxnSp>
+        <p:nvCxnSpPr>
+          <p:cNvPr id="12" name="Straight Arrow Connector 11">
+            <a:extLst>
+              <a:ext uri="{FF2B5EF4-FFF2-40B4-BE49-F238E27FC236}">
+                <a16:creationId xmlns:a16="http://schemas.microsoft.com/office/drawing/2014/main" id="{D5C85C45-F943-4316-8B17-A86067AF445E}"/>
+              </a:ext>
+            </a:extLst>
+          </p:cNvPr>
+          <p:cNvCxnSpPr>
+            <a:cxnSpLocks/>
+          </p:cNvCxnSpPr>
+          <p:nvPr/>
+        </p:nvCxnSpPr>
+        <p:spPr>
+          <a:xfrm>
+            <a:off x="2469733" y="1412262"/>
+            <a:ext cx="4564730" cy="0"/>
+          </a:xfrm>
+          <a:prstGeom prst="straightConnector1">
+            <a:avLst/>
+          </a:prstGeom>
+          <a:ln w="12700">
+            <a:prstDash val="solid"/>
+            <a:tailEnd type="triangle"/>
+          </a:ln>
+        </p:spPr>
+        <p:style>
+          <a:lnRef idx="1">
+            <a:schemeClr val="dk1"/>
+          </a:lnRef>
+          <a:fillRef idx="0">
+            <a:schemeClr val="dk1"/>
+          </a:fillRef>
+          <a:effectRef idx="0">
+            <a:schemeClr val="dk1"/>
+          </a:effectRef>
+          <a:fontRef idx="minor">
+            <a:schemeClr val="tx1"/>
+          </a:fontRef>
+        </p:style>
+      </p:cxnSp>
     </p:spTree>
     <p:extLst>
       <p:ext uri="{BB962C8B-B14F-4D97-AF65-F5344CB8AC3E}">
